--- a/presentation.pptx
+++ b/presentation.pptx
@@ -6,6 +6,9 @@
   </p:sldMasterIdLst>
   <p:sldIdLst>
     <p:sldId id="256" r:id="rId2"/>
+    <p:sldId id="257" r:id="rId3"/>
+    <p:sldId id="258" r:id="rId4"/>
+    <p:sldId id="259" r:id="rId5"/>
   </p:sldIdLst>
   <p:sldSz cx="12192000" cy="6858000"/>
   <p:notesSz cx="6858000" cy="9144000"/>
@@ -104,6 +107,11 @@
       </a:defRPr>
     </a:lvl9pPr>
   </p:defaultTextStyle>
+  <p:extLst>
+    <p:ext uri="{EFAFB233-063F-42B5-8137-9DF3F51BA10A}">
+      <p15:sldGuideLst xmlns:p15="http://schemas.microsoft.com/office/powerpoint/2012/main"/>
+    </p:ext>
+  </p:extLst>
 </p:presentation>
 </file>
 
@@ -13281,7 +13289,10 @@
           <a:lstStyle/>
           <a:p>
             <a:pPr algn="ctr"/>
-            <a:endParaRPr lang="en-US" sz="4400" b="1" dirty="0"/>
+            <a:r>
+              <a:rPr lang="en-US" sz="4400" b="1" dirty="0"/>
+              <a:t>DEF file generator</a:t>
+            </a:r>
           </a:p>
         </p:txBody>
       </p:sp>
@@ -13301,12 +13312,34 @@
             <p:ph type="subTitle" idx="1"/>
           </p:nvPr>
         </p:nvSpPr>
-        <p:spPr/>
+        <p:spPr>
+          <a:xfrm>
+            <a:off x="1470992" y="4357495"/>
+            <a:ext cx="8482254" cy="1053577"/>
+          </a:xfrm>
+        </p:spPr>
         <p:txBody>
-          <a:bodyPr/>
+          <a:bodyPr>
+            <a:normAutofit/>
+          </a:bodyPr>
           <a:lstStyle/>
           <a:p>
-            <a:endParaRPr lang="en-US"/>
+            <a:pPr algn="ctr"/>
+            <a:r>
+              <a:rPr lang="en-US" dirty="0"/>
+              <a:t>Mini project 1</a:t>
+            </a:r>
+          </a:p>
+          <a:p>
+            <a:pPr algn="ctr"/>
+            <a:r>
+              <a:rPr lang="en-US" dirty="0"/>
+              <a:t>DIGITAL DESING 2</a:t>
+            </a:r>
+          </a:p>
+          <a:p>
+            <a:pPr algn="ctr"/>
+            <a:endParaRPr lang="en-US" dirty="0"/>
           </a:p>
         </p:txBody>
       </p:sp>
@@ -13314,6 +13347,618 @@
     <p:extLst>
       <p:ext uri="{BB962C8B-B14F-4D97-AF65-F5344CB8AC3E}">
         <p14:creationId xmlns:p14="http://schemas.microsoft.com/office/powerpoint/2010/main" val="1046170703"/>
+      </p:ext>
+    </p:extLst>
+  </p:cSld>
+  <p:clrMapOvr>
+    <a:masterClrMapping/>
+  </p:clrMapOvr>
+</p:sld>
+</file>
+
+<file path=ppt/slides/slide2.xml><?xml version="1.0" encoding="utf-8"?>
+<p:sld xmlns:a="http://schemas.openxmlformats.org/drawingml/2006/main" xmlns:r="http://schemas.openxmlformats.org/officeDocument/2006/relationships" xmlns:p="http://schemas.openxmlformats.org/presentationml/2006/main">
+  <p:cSld>
+    <p:spTree>
+      <p:nvGrpSpPr>
+        <p:cNvPr id="1" name=""/>
+        <p:cNvGrpSpPr/>
+        <p:nvPr/>
+      </p:nvGrpSpPr>
+      <p:grpSpPr>
+        <a:xfrm>
+          <a:off x="0" y="0"/>
+          <a:ext cx="0" cy="0"/>
+          <a:chOff x="0" y="0"/>
+          <a:chExt cx="0" cy="0"/>
+        </a:xfrm>
+      </p:grpSpPr>
+      <p:sp>
+        <p:nvSpPr>
+          <p:cNvPr id="2" name="Title 1">
+            <a:extLst>
+              <a:ext uri="{FF2B5EF4-FFF2-40B4-BE49-F238E27FC236}">
+                <a16:creationId xmlns:a16="http://schemas.microsoft.com/office/drawing/2014/main" id="{5C35027D-37DD-4D76-97EE-A60655E8BCB0}"/>
+              </a:ext>
+            </a:extLst>
+          </p:cNvPr>
+          <p:cNvSpPr>
+            <a:spLocks noGrp="1"/>
+          </p:cNvSpPr>
+          <p:nvPr>
+            <p:ph type="title"/>
+          </p:nvPr>
+        </p:nvSpPr>
+        <p:spPr/>
+        <p:txBody>
+          <a:bodyPr/>
+          <a:lstStyle/>
+          <a:p>
+            <a:pPr algn="ctr"/>
+            <a:r>
+              <a:rPr lang="en-US" dirty="0"/>
+              <a:t>What is .DEF</a:t>
+            </a:r>
+          </a:p>
+        </p:txBody>
+      </p:sp>
+      <p:sp>
+        <p:nvSpPr>
+          <p:cNvPr id="3" name="Content Placeholder 2">
+            <a:extLst>
+              <a:ext uri="{FF2B5EF4-FFF2-40B4-BE49-F238E27FC236}">
+                <a16:creationId xmlns:a16="http://schemas.microsoft.com/office/drawing/2014/main" id="{B51FEF8A-799C-468A-B62A-D1E76D2E251A}"/>
+              </a:ext>
+            </a:extLst>
+          </p:cNvPr>
+          <p:cNvSpPr>
+            <a:spLocks noGrp="1"/>
+          </p:cNvSpPr>
+          <p:nvPr>
+            <p:ph idx="1"/>
+          </p:nvPr>
+        </p:nvSpPr>
+        <p:spPr>
+          <a:xfrm>
+            <a:off x="1154954" y="2603500"/>
+            <a:ext cx="5325359" cy="3416300"/>
+          </a:xfrm>
+        </p:spPr>
+        <p:txBody>
+          <a:bodyPr>
+            <a:normAutofit/>
+          </a:bodyPr>
+          <a:lstStyle/>
+          <a:p>
+            <a:pPr marL="0" indent="0">
+              <a:buNone/>
+            </a:pPr>
+            <a:r>
+              <a:rPr lang="en-US" sz="2000" b="1" dirty="0">
+                <a:solidFill>
+                  <a:schemeClr val="tx1"/>
+                </a:solidFill>
+                <a:cs typeface="Times New Roman" panose="02020603050405020304" pitchFamily="18" charset="0"/>
+              </a:rPr>
+              <a:t>Design Exchange Format</a:t>
+            </a:r>
+            <a:r>
+              <a:rPr lang="en-US" sz="2000" dirty="0">
+                <a:solidFill>
+                  <a:schemeClr val="tx1"/>
+                </a:solidFill>
+                <a:cs typeface="Times New Roman" panose="02020603050405020304" pitchFamily="18" charset="0"/>
+              </a:rPr>
+              <a:t> (</a:t>
+            </a:r>
+            <a:r>
+              <a:rPr lang="en-US" sz="2000" b="1" dirty="0">
+                <a:solidFill>
+                  <a:schemeClr val="tx1"/>
+                </a:solidFill>
+                <a:cs typeface="Times New Roman" panose="02020603050405020304" pitchFamily="18" charset="0"/>
+              </a:rPr>
+              <a:t>DEF</a:t>
+            </a:r>
+            <a:r>
+              <a:rPr lang="en-US" sz="2000" dirty="0">
+                <a:solidFill>
+                  <a:schemeClr val="tx1"/>
+                </a:solidFill>
+                <a:cs typeface="Times New Roman" panose="02020603050405020304" pitchFamily="18" charset="0"/>
+              </a:rPr>
+              <a:t>) </a:t>
+            </a:r>
+            <a:r>
+              <a:rPr lang="en-US" sz="2000" dirty="0">
+                <a:solidFill>
+                  <a:schemeClr val="tx1"/>
+                </a:solidFill>
+                <a:ea typeface="+mj-ea"/>
+                <a:cs typeface="+mj-cs"/>
+              </a:rPr>
+              <a:t>is an open specification for representing </a:t>
+            </a:r>
+            <a:r>
+              <a:rPr lang="en-US" sz="2000" dirty="0">
+                <a:solidFill>
+                  <a:schemeClr val="tx1"/>
+                </a:solidFill>
+                <a:ea typeface="+mj-ea"/>
+                <a:cs typeface="+mj-cs"/>
+                <a:hlinkClick r:id="rId2" tooltip="Physical layout">
+                  <a:extLst>
+                    <a:ext uri="{A12FA001-AC4F-418D-AE19-62706E023703}">
+                      <ahyp:hlinkClr xmlns:ahyp="http://schemas.microsoft.com/office/drawing/2018/hyperlinkcolor" val="tx"/>
+                    </a:ext>
+                  </a:extLst>
+                </a:hlinkClick>
+              </a:rPr>
+              <a:t>physical layout</a:t>
+            </a:r>
+            <a:r>
+              <a:rPr lang="en-US" sz="2000" dirty="0">
+                <a:solidFill>
+                  <a:schemeClr val="tx1"/>
+                </a:solidFill>
+                <a:ea typeface="+mj-ea"/>
+                <a:cs typeface="+mj-cs"/>
+              </a:rPr>
+              <a:t> of an </a:t>
+            </a:r>
+            <a:r>
+              <a:rPr lang="en-US" sz="2000" dirty="0">
+                <a:solidFill>
+                  <a:schemeClr val="tx1"/>
+                </a:solidFill>
+                <a:ea typeface="+mj-ea"/>
+                <a:cs typeface="+mj-cs"/>
+                <a:hlinkClick r:id="rId3" tooltip="Integrated circuit">
+                  <a:extLst>
+                    <a:ext uri="{A12FA001-AC4F-418D-AE19-62706E023703}">
+                      <ahyp:hlinkClr xmlns:ahyp="http://schemas.microsoft.com/office/drawing/2018/hyperlinkcolor" val="tx"/>
+                    </a:ext>
+                  </a:extLst>
+                </a:hlinkClick>
+              </a:rPr>
+              <a:t>integrated circuit</a:t>
+            </a:r>
+            <a:r>
+              <a:rPr lang="en-US" sz="2000" dirty="0">
+                <a:solidFill>
+                  <a:schemeClr val="tx1"/>
+                </a:solidFill>
+                <a:ea typeface="+mj-ea"/>
+                <a:cs typeface="+mj-cs"/>
+              </a:rPr>
+              <a:t> in an </a:t>
+            </a:r>
+            <a:r>
+              <a:rPr lang="en-US" sz="2000" dirty="0">
+                <a:solidFill>
+                  <a:schemeClr val="tx1"/>
+                </a:solidFill>
+                <a:ea typeface="+mj-ea"/>
+                <a:cs typeface="+mj-cs"/>
+                <a:hlinkClick r:id="rId4" tooltip="ASCII">
+                  <a:extLst>
+                    <a:ext uri="{A12FA001-AC4F-418D-AE19-62706E023703}">
+                      <ahyp:hlinkClr xmlns:ahyp="http://schemas.microsoft.com/office/drawing/2018/hyperlinkcolor" val="tx"/>
+                    </a:ext>
+                  </a:extLst>
+                </a:hlinkClick>
+              </a:rPr>
+              <a:t>ASCII</a:t>
+            </a:r>
+            <a:r>
+              <a:rPr lang="en-US" sz="2000" dirty="0">
+                <a:solidFill>
+                  <a:schemeClr val="tx1"/>
+                </a:solidFill>
+                <a:ea typeface="+mj-ea"/>
+                <a:cs typeface="+mj-cs"/>
+              </a:rPr>
+              <a:t> format. It represents the netlist and circuit layout. DEF is used in conjunction with </a:t>
+            </a:r>
+            <a:r>
+              <a:rPr lang="en-US" sz="2000" dirty="0">
+                <a:solidFill>
+                  <a:schemeClr val="tx1"/>
+                </a:solidFill>
+                <a:ea typeface="+mj-ea"/>
+                <a:cs typeface="+mj-cs"/>
+                <a:hlinkClick r:id="rId5" tooltip="Library Exchange Format">
+                  <a:extLst>
+                    <a:ext uri="{A12FA001-AC4F-418D-AE19-62706E023703}">
+                      <ahyp:hlinkClr xmlns:ahyp="http://schemas.microsoft.com/office/drawing/2018/hyperlinkcolor" val="tx"/>
+                    </a:ext>
+                  </a:extLst>
+                </a:hlinkClick>
+              </a:rPr>
+              <a:t>Library Exchange Format</a:t>
+            </a:r>
+            <a:r>
+              <a:rPr lang="en-US" sz="2000" dirty="0">
+                <a:solidFill>
+                  <a:schemeClr val="tx1"/>
+                </a:solidFill>
+                <a:ea typeface="+mj-ea"/>
+                <a:cs typeface="+mj-cs"/>
+              </a:rPr>
+              <a:t> (LEF) to represent complete </a:t>
+            </a:r>
+            <a:r>
+              <a:rPr lang="en-US" sz="2000" dirty="0">
+                <a:solidFill>
+                  <a:schemeClr val="tx1"/>
+                </a:solidFill>
+                <a:ea typeface="+mj-ea"/>
+                <a:cs typeface="+mj-cs"/>
+                <a:hlinkClick r:id="rId2" tooltip="Physical layout">
+                  <a:extLst>
+                    <a:ext uri="{A12FA001-AC4F-418D-AE19-62706E023703}">
+                      <ahyp:hlinkClr xmlns:ahyp="http://schemas.microsoft.com/office/drawing/2018/hyperlinkcolor" val="tx"/>
+                    </a:ext>
+                  </a:extLst>
+                </a:hlinkClick>
+              </a:rPr>
+              <a:t>physical layout</a:t>
+            </a:r>
+            <a:r>
+              <a:rPr lang="en-US" sz="2000" dirty="0">
+                <a:solidFill>
+                  <a:schemeClr val="tx1"/>
+                </a:solidFill>
+                <a:ea typeface="+mj-ea"/>
+                <a:cs typeface="+mj-cs"/>
+              </a:rPr>
+              <a:t> of an </a:t>
+            </a:r>
+            <a:r>
+              <a:rPr lang="en-US" sz="2000" dirty="0">
+                <a:solidFill>
+                  <a:schemeClr val="tx1"/>
+                </a:solidFill>
+                <a:ea typeface="+mj-ea"/>
+                <a:cs typeface="+mj-cs"/>
+                <a:hlinkClick r:id="rId3" tooltip="Integrated circuit">
+                  <a:extLst>
+                    <a:ext uri="{A12FA001-AC4F-418D-AE19-62706E023703}">
+                      <ahyp:hlinkClr xmlns:ahyp="http://schemas.microsoft.com/office/drawing/2018/hyperlinkcolor" val="tx"/>
+                    </a:ext>
+                  </a:extLst>
+                </a:hlinkClick>
+              </a:rPr>
+              <a:t>integrated circuit</a:t>
+            </a:r>
+            <a:r>
+              <a:rPr lang="en-US" sz="2000" dirty="0">
+                <a:solidFill>
+                  <a:schemeClr val="tx1"/>
+                </a:solidFill>
+                <a:ea typeface="+mj-ea"/>
+                <a:cs typeface="+mj-cs"/>
+              </a:rPr>
+              <a:t> while it is being designed.</a:t>
+            </a:r>
+          </a:p>
+        </p:txBody>
+      </p:sp>
+      <p:pic>
+        <p:nvPicPr>
+          <p:cNvPr id="5" name="Picture 4">
+            <a:extLst>
+              <a:ext uri="{FF2B5EF4-FFF2-40B4-BE49-F238E27FC236}">
+                <a16:creationId xmlns:a16="http://schemas.microsoft.com/office/drawing/2014/main" id="{A53FC250-A41E-4FD6-A621-527F2F3E00C3}"/>
+              </a:ext>
+            </a:extLst>
+          </p:cNvPr>
+          <p:cNvPicPr>
+            <a:picLocks noChangeAspect="1"/>
+          </p:cNvPicPr>
+          <p:nvPr/>
+        </p:nvPicPr>
+        <p:blipFill>
+          <a:blip r:embed="rId6">
+            <a:extLst>
+              <a:ext uri="{28A0092B-C50C-407E-A947-70E740481C1C}">
+                <a14:useLocalDpi xmlns:a14="http://schemas.microsoft.com/office/drawing/2010/main" val="0"/>
+              </a:ext>
+            </a:extLst>
+          </a:blip>
+          <a:stretch>
+            <a:fillRect/>
+          </a:stretch>
+        </p:blipFill>
+        <p:spPr>
+          <a:xfrm>
+            <a:off x="6480313" y="2603500"/>
+            <a:ext cx="5244435" cy="3277772"/>
+          </a:xfrm>
+          <a:prstGeom prst="rect">
+            <a:avLst/>
+          </a:prstGeom>
+        </p:spPr>
+      </p:pic>
+    </p:spTree>
+    <p:extLst>
+      <p:ext uri="{BB962C8B-B14F-4D97-AF65-F5344CB8AC3E}">
+        <p14:creationId xmlns:p14="http://schemas.microsoft.com/office/powerpoint/2010/main" val="1044315070"/>
+      </p:ext>
+    </p:extLst>
+  </p:cSld>
+  <p:clrMapOvr>
+    <a:masterClrMapping/>
+  </p:clrMapOvr>
+</p:sld>
+</file>
+
+<file path=ppt/slides/slide3.xml><?xml version="1.0" encoding="utf-8"?>
+<p:sld xmlns:a="http://schemas.openxmlformats.org/drawingml/2006/main" xmlns:r="http://schemas.openxmlformats.org/officeDocument/2006/relationships" xmlns:p="http://schemas.openxmlformats.org/presentationml/2006/main">
+  <p:cSld>
+    <p:spTree>
+      <p:nvGrpSpPr>
+        <p:cNvPr id="1" name=""/>
+        <p:cNvGrpSpPr/>
+        <p:nvPr/>
+      </p:nvGrpSpPr>
+      <p:grpSpPr>
+        <a:xfrm>
+          <a:off x="0" y="0"/>
+          <a:ext cx="0" cy="0"/>
+          <a:chOff x="0" y="0"/>
+          <a:chExt cx="0" cy="0"/>
+        </a:xfrm>
+      </p:grpSpPr>
+      <p:sp>
+        <p:nvSpPr>
+          <p:cNvPr id="2" name="Title 1">
+            <a:extLst>
+              <a:ext uri="{FF2B5EF4-FFF2-40B4-BE49-F238E27FC236}">
+                <a16:creationId xmlns:a16="http://schemas.microsoft.com/office/drawing/2014/main" id="{A685DD92-F126-486D-845F-B22DC43C9998}"/>
+              </a:ext>
+            </a:extLst>
+          </p:cNvPr>
+          <p:cNvSpPr>
+            <a:spLocks noGrp="1"/>
+          </p:cNvSpPr>
+          <p:nvPr>
+            <p:ph type="title"/>
+          </p:nvPr>
+        </p:nvSpPr>
+        <p:spPr/>
+        <p:txBody>
+          <a:bodyPr/>
+          <a:lstStyle/>
+          <a:p>
+            <a:pPr algn="ctr"/>
+            <a:r>
+              <a:rPr lang="en-US" dirty="0"/>
+              <a:t>Target ?</a:t>
+            </a:r>
+          </a:p>
+        </p:txBody>
+      </p:sp>
+      <p:sp>
+        <p:nvSpPr>
+          <p:cNvPr id="3" name="Content Placeholder 2">
+            <a:extLst>
+              <a:ext uri="{FF2B5EF4-FFF2-40B4-BE49-F238E27FC236}">
+                <a16:creationId xmlns:a16="http://schemas.microsoft.com/office/drawing/2014/main" id="{E13DF344-A07F-4A96-97E2-7F448C4C3E20}"/>
+              </a:ext>
+            </a:extLst>
+          </p:cNvPr>
+          <p:cNvSpPr>
+            <a:spLocks noGrp="1"/>
+          </p:cNvSpPr>
+          <p:nvPr>
+            <p:ph idx="1"/>
+          </p:nvPr>
+        </p:nvSpPr>
+        <p:spPr/>
+        <p:txBody>
+          <a:bodyPr/>
+          <a:lstStyle/>
+          <a:p>
+            <a:r>
+              <a:rPr lang="en-US" dirty="0"/>
+              <a:t>The target of this project is to develop a converter to convert the Verilog and .</a:t>
+            </a:r>
+            <a:r>
+              <a:rPr lang="en-US" dirty="0" err="1"/>
+              <a:t>lef</a:t>
+            </a:r>
+            <a:r>
+              <a:rPr lang="en-US" dirty="0"/>
+              <a:t> file into .def file</a:t>
+            </a:r>
+          </a:p>
+          <a:p>
+            <a:r>
+              <a:rPr lang="en-US" dirty="0"/>
+              <a:t>I chose python to develop this project</a:t>
+            </a:r>
+          </a:p>
+          <a:p>
+            <a:r>
+              <a:rPr lang="en-US" dirty="0"/>
+              <a:t>The def file shall contain only the following :</a:t>
+            </a:r>
+          </a:p>
+          <a:p>
+            <a:pPr lvl="1"/>
+            <a:r>
+              <a:rPr lang="en-US" dirty="0"/>
+              <a:t>Die area definition </a:t>
+            </a:r>
+          </a:p>
+          <a:p>
+            <a:pPr lvl="1"/>
+            <a:r>
+              <a:rPr lang="en-US" dirty="0"/>
+              <a:t> Row definitions </a:t>
+            </a:r>
+          </a:p>
+          <a:p>
+            <a:pPr lvl="1"/>
+            <a:r>
+              <a:rPr lang="en-US" dirty="0"/>
+              <a:t>PINS, COMPONENTS</a:t>
+            </a:r>
+          </a:p>
+          <a:p>
+            <a:pPr lvl="1"/>
+            <a:r>
+              <a:rPr lang="en-US" dirty="0"/>
+              <a:t>NETS sections</a:t>
+            </a:r>
+          </a:p>
+          <a:p>
+            <a:pPr lvl="1"/>
+            <a:r>
+              <a:rPr lang="en-US" dirty="0"/>
+              <a:t>Power rings</a:t>
+            </a:r>
+          </a:p>
+        </p:txBody>
+      </p:sp>
+    </p:spTree>
+    <p:extLst>
+      <p:ext uri="{BB962C8B-B14F-4D97-AF65-F5344CB8AC3E}">
+        <p14:creationId xmlns:p14="http://schemas.microsoft.com/office/powerpoint/2010/main" val="3566145552"/>
+      </p:ext>
+    </p:extLst>
+  </p:cSld>
+  <p:clrMapOvr>
+    <a:masterClrMapping/>
+  </p:clrMapOvr>
+</p:sld>
+</file>
+
+<file path=ppt/slides/slide4.xml><?xml version="1.0" encoding="utf-8"?>
+<p:sld xmlns:a="http://schemas.openxmlformats.org/drawingml/2006/main" xmlns:r="http://schemas.openxmlformats.org/officeDocument/2006/relationships" xmlns:p="http://schemas.openxmlformats.org/presentationml/2006/main">
+  <p:cSld>
+    <p:spTree>
+      <p:nvGrpSpPr>
+        <p:cNvPr id="1" name=""/>
+        <p:cNvGrpSpPr/>
+        <p:nvPr/>
+      </p:nvGrpSpPr>
+      <p:grpSpPr>
+        <a:xfrm>
+          <a:off x="0" y="0"/>
+          <a:ext cx="0" cy="0"/>
+          <a:chOff x="0" y="0"/>
+          <a:chExt cx="0" cy="0"/>
+        </a:xfrm>
+      </p:grpSpPr>
+      <p:sp>
+        <p:nvSpPr>
+          <p:cNvPr id="2" name="Title 1">
+            <a:extLst>
+              <a:ext uri="{FF2B5EF4-FFF2-40B4-BE49-F238E27FC236}">
+                <a16:creationId xmlns:a16="http://schemas.microsoft.com/office/drawing/2014/main" id="{FC014AC3-B7C9-49EA-A271-601C8CE4E61B}"/>
+              </a:ext>
+            </a:extLst>
+          </p:cNvPr>
+          <p:cNvSpPr>
+            <a:spLocks noGrp="1"/>
+          </p:cNvSpPr>
+          <p:nvPr>
+            <p:ph type="title"/>
+          </p:nvPr>
+        </p:nvSpPr>
+        <p:spPr/>
+        <p:txBody>
+          <a:bodyPr/>
+          <a:lstStyle/>
+          <a:p>
+            <a:r>
+              <a:rPr lang="en-US" dirty="0"/>
+              <a:t>Design and Implementation</a:t>
+            </a:r>
+          </a:p>
+        </p:txBody>
+      </p:sp>
+      <p:sp>
+        <p:nvSpPr>
+          <p:cNvPr id="3" name="Content Placeholder 2">
+            <a:extLst>
+              <a:ext uri="{FF2B5EF4-FFF2-40B4-BE49-F238E27FC236}">
+                <a16:creationId xmlns:a16="http://schemas.microsoft.com/office/drawing/2014/main" id="{B6E62FA7-EBA9-4F18-8D1C-B914AEF067DD}"/>
+              </a:ext>
+            </a:extLst>
+          </p:cNvPr>
+          <p:cNvSpPr>
+            <a:spLocks noGrp="1"/>
+          </p:cNvSpPr>
+          <p:nvPr>
+            <p:ph idx="1"/>
+          </p:nvPr>
+        </p:nvSpPr>
+        <p:spPr/>
+        <p:txBody>
+          <a:bodyPr/>
+          <a:lstStyle/>
+          <a:p>
+            <a:r>
+              <a:rPr lang="en-US" dirty="0"/>
+              <a:t>The first step is to develop a parser that could parse and defragment the components of the Verilog and .</a:t>
+            </a:r>
+            <a:r>
+              <a:rPr lang="en-US" dirty="0" err="1"/>
+              <a:t>lef</a:t>
+            </a:r>
+            <a:r>
+              <a:rPr lang="en-US" dirty="0"/>
+              <a:t> file to be used for calculations and outputs</a:t>
+            </a:r>
+          </a:p>
+          <a:p>
+            <a:r>
+              <a:rPr lang="en-US" dirty="0"/>
+              <a:t>The parser for the Verilog file was straight forward as we assumed as it is in json format</a:t>
+            </a:r>
+          </a:p>
+          <a:p>
+            <a:r>
+              <a:rPr lang="en-US" dirty="0"/>
+              <a:t>The .</a:t>
+            </a:r>
+            <a:r>
+              <a:rPr lang="en-US" dirty="0" err="1"/>
+              <a:t>lef</a:t>
+            </a:r>
+            <a:r>
+              <a:rPr lang="en-US" dirty="0"/>
+              <a:t> file parser used the nested </a:t>
+            </a:r>
+            <a:r>
+              <a:rPr lang="en-US" b="1" dirty="0"/>
+              <a:t>dictionaries</a:t>
+            </a:r>
+            <a:r>
+              <a:rPr lang="en-US" dirty="0"/>
+              <a:t> in the python and some logic </a:t>
+            </a:r>
+          </a:p>
+          <a:p>
+            <a:r>
+              <a:rPr lang="en-US" dirty="0"/>
+              <a:t>Then after all the components are separated and stored in the dictionary data structure it is pulled out to output the needed components in the DEF file </a:t>
+            </a:r>
+            <a:r>
+              <a:rPr lang="en-US" dirty="0" err="1"/>
+              <a:t>accordingliny</a:t>
+            </a:r>
+            <a:endParaRPr lang="en-US" dirty="0"/>
+          </a:p>
+        </p:txBody>
+      </p:sp>
+    </p:spTree>
+    <p:extLst>
+      <p:ext uri="{BB962C8B-B14F-4D97-AF65-F5344CB8AC3E}">
+        <p14:creationId xmlns:p14="http://schemas.microsoft.com/office/powerpoint/2010/main" val="1732707588"/>
       </p:ext>
     </p:extLst>
   </p:cSld>
